--- a/slides/Presentacion_Final_LCA.pptx
+++ b/slides/Presentacion_Final_LCA.pptx
@@ -17898,8 +17898,8 @@
         </p:nvSpPr>
         <p:spPr>
           <a:xfrm>
-            <a:off x="4761692" y="1072104"/>
-            <a:ext cx="4422000" cy="3331801"/>
+            <a:off x="4761692" y="697584"/>
+            <a:ext cx="4422000" cy="3706321"/>
           </a:xfrm>
           <a:prstGeom prst="rect">
             <a:avLst/>
@@ -17956,6 +17956,13 @@
               </a:rPr>
               <a:t>Crédito</a:t>
             </a:r>
+            <a:br>
+              <a:rPr lang="en-US" b="0" dirty="0">
+                <a:solidFill>
+                  <a:srgbClr val="3EABB0"/>
+                </a:solidFill>
+              </a:rPr>
+            </a:br>
             <a:r>
               <a:rPr lang="en-US" dirty="0"/>
               <a:t> </a:t>
